--- a/HW3/嵌入式影像處理HW2_1114.pptx
+++ b/HW3/嵌入式影像處理HW2_1114.pptx
@@ -6939,7 +6939,7 @@
             </a:r>
             <a:r>
               <a:rPr lang="zh-TW" altLang="en-US" dirty="0"/>
-              <a:t>顏色過濾以及去除噪點後，再進行二質化的圖像。</a:t>
+              <a:t>顏色過濾以及去除噪點後的圖像。</a:t>
             </a:r>
             <a:endParaRPr lang="en-US" altLang="zh-TW" dirty="0"/>
           </a:p>
@@ -7071,6 +7071,479 @@
           </a:prstGeom>
         </p:spPr>
       </p:pic>
+      <p:grpSp>
+        <p:nvGrpSpPr>
+          <p:cNvPr id="14" name="群組 13">
+            <a:extLst>
+              <a:ext uri="{FF2B5EF4-FFF2-40B4-BE49-F238E27FC236}">
+                <a16:creationId xmlns:a16="http://schemas.microsoft.com/office/drawing/2014/main" id="{751B0B6B-5E84-93DA-F93E-DD21D2127E7D}"/>
+              </a:ext>
+            </a:extLst>
+          </p:cNvPr>
+          <p:cNvGrpSpPr/>
+          <p:nvPr/>
+        </p:nvGrpSpPr>
+        <p:grpSpPr>
+          <a:xfrm>
+            <a:off x="4319415" y="4248432"/>
+            <a:ext cx="3740456" cy="1082210"/>
+            <a:chOff x="847725" y="2762053"/>
+            <a:chExt cx="7762875" cy="2446267"/>
+          </a:xfrm>
+        </p:grpSpPr>
+        <p:sp>
+          <p:nvSpPr>
+            <p:cNvPr id="5" name="矩形 4">
+              <a:extLst>
+                <a:ext uri="{FF2B5EF4-FFF2-40B4-BE49-F238E27FC236}">
+                  <a16:creationId xmlns:a16="http://schemas.microsoft.com/office/drawing/2014/main" id="{9A585E4E-77A2-63D6-EB79-020D8305F19A}"/>
+                </a:ext>
+              </a:extLst>
+            </p:cNvPr>
+            <p:cNvSpPr/>
+            <p:nvPr/>
+          </p:nvSpPr>
+          <p:spPr>
+            <a:xfrm>
+              <a:off x="6096000" y="3131344"/>
+              <a:ext cx="2514600" cy="1371993"/>
+            </a:xfrm>
+            <a:prstGeom prst="rect">
+              <a:avLst/>
+            </a:prstGeom>
+            <a:solidFill>
+              <a:schemeClr val="bg1"/>
+            </a:solidFill>
+            <a:ln>
+              <a:noFill/>
+            </a:ln>
+          </p:spPr>
+          <p:style>
+            <a:lnRef idx="2">
+              <a:schemeClr val="accent1">
+                <a:shade val="15000"/>
+              </a:schemeClr>
+            </a:lnRef>
+            <a:fillRef idx="1">
+              <a:schemeClr val="accent1"/>
+            </a:fillRef>
+            <a:effectRef idx="0">
+              <a:schemeClr val="accent1"/>
+            </a:effectRef>
+            <a:fontRef idx="minor">
+              <a:schemeClr val="lt1"/>
+            </a:fontRef>
+          </p:style>
+          <p:txBody>
+            <a:bodyPr rtlCol="0" anchor="ctr"/>
+            <a:lstStyle/>
+            <a:p>
+              <a:pPr algn="ctr"/>
+              <a:endParaRPr lang="zh-TW" altLang="en-US"/>
+            </a:p>
+          </p:txBody>
+        </p:sp>
+        <p:sp>
+          <p:nvSpPr>
+            <p:cNvPr id="6" name="矩形 5">
+              <a:extLst>
+                <a:ext uri="{FF2B5EF4-FFF2-40B4-BE49-F238E27FC236}">
+                  <a16:creationId xmlns:a16="http://schemas.microsoft.com/office/drawing/2014/main" id="{4708F938-0108-28C5-0BE7-E937378E1487}"/>
+                </a:ext>
+              </a:extLst>
+            </p:cNvPr>
+            <p:cNvSpPr/>
+            <p:nvPr/>
+          </p:nvSpPr>
+          <p:spPr>
+            <a:xfrm>
+              <a:off x="854398" y="2853399"/>
+              <a:ext cx="2514600" cy="1371993"/>
+            </a:xfrm>
+            <a:prstGeom prst="rect">
+              <a:avLst/>
+            </a:prstGeom>
+            <a:solidFill>
+              <a:schemeClr val="bg1"/>
+            </a:solidFill>
+            <a:ln>
+              <a:noFill/>
+            </a:ln>
+          </p:spPr>
+          <p:style>
+            <a:lnRef idx="2">
+              <a:schemeClr val="accent1">
+                <a:shade val="15000"/>
+              </a:schemeClr>
+            </a:lnRef>
+            <a:fillRef idx="1">
+              <a:schemeClr val="accent1"/>
+            </a:fillRef>
+            <a:effectRef idx="0">
+              <a:schemeClr val="accent1"/>
+            </a:effectRef>
+            <a:fontRef idx="minor">
+              <a:schemeClr val="lt1"/>
+            </a:fontRef>
+          </p:style>
+          <p:txBody>
+            <a:bodyPr rtlCol="0" anchor="ctr"/>
+            <a:lstStyle/>
+            <a:p>
+              <a:pPr algn="ctr"/>
+              <a:endParaRPr lang="zh-TW" altLang="en-US"/>
+            </a:p>
+          </p:txBody>
+        </p:sp>
+        <p:sp>
+          <p:nvSpPr>
+            <p:cNvPr id="8" name="矩形 7">
+              <a:extLst>
+                <a:ext uri="{FF2B5EF4-FFF2-40B4-BE49-F238E27FC236}">
+                  <a16:creationId xmlns:a16="http://schemas.microsoft.com/office/drawing/2014/main" id="{24B0D5D9-7539-891E-E253-F4C6F540A223}"/>
+                </a:ext>
+              </a:extLst>
+            </p:cNvPr>
+            <p:cNvSpPr/>
+            <p:nvPr/>
+          </p:nvSpPr>
+          <p:spPr>
+            <a:xfrm>
+              <a:off x="3581400" y="2762053"/>
+              <a:ext cx="2514600" cy="1371993"/>
+            </a:xfrm>
+            <a:prstGeom prst="rect">
+              <a:avLst/>
+            </a:prstGeom>
+            <a:solidFill>
+              <a:schemeClr val="bg1"/>
+            </a:solidFill>
+            <a:ln>
+              <a:noFill/>
+            </a:ln>
+          </p:spPr>
+          <p:style>
+            <a:lnRef idx="2">
+              <a:schemeClr val="accent1">
+                <a:shade val="15000"/>
+              </a:schemeClr>
+            </a:lnRef>
+            <a:fillRef idx="1">
+              <a:schemeClr val="accent1"/>
+            </a:fillRef>
+            <a:effectRef idx="0">
+              <a:schemeClr val="accent1"/>
+            </a:effectRef>
+            <a:fontRef idx="minor">
+              <a:schemeClr val="lt1"/>
+            </a:fontRef>
+          </p:style>
+          <p:txBody>
+            <a:bodyPr rtlCol="0" anchor="ctr"/>
+            <a:lstStyle/>
+            <a:p>
+              <a:pPr algn="ctr"/>
+              <a:endParaRPr lang="zh-TW" altLang="en-US"/>
+            </a:p>
+          </p:txBody>
+        </p:sp>
+        <p:sp>
+          <p:nvSpPr>
+            <p:cNvPr id="9" name="矩形 8">
+              <a:extLst>
+                <a:ext uri="{FF2B5EF4-FFF2-40B4-BE49-F238E27FC236}">
+                  <a16:creationId xmlns:a16="http://schemas.microsoft.com/office/drawing/2014/main" id="{A3623D6F-DAF0-B2E1-83D3-0CAA9FC3B9D7}"/>
+                </a:ext>
+              </a:extLst>
+            </p:cNvPr>
+            <p:cNvSpPr/>
+            <p:nvPr/>
+          </p:nvSpPr>
+          <p:spPr>
+            <a:xfrm>
+              <a:off x="6096000" y="3429000"/>
+              <a:ext cx="2514600" cy="1371993"/>
+            </a:xfrm>
+            <a:prstGeom prst="rect">
+              <a:avLst/>
+            </a:prstGeom>
+            <a:solidFill>
+              <a:schemeClr val="bg1"/>
+            </a:solidFill>
+            <a:ln>
+              <a:noFill/>
+            </a:ln>
+          </p:spPr>
+          <p:style>
+            <a:lnRef idx="2">
+              <a:schemeClr val="accent1">
+                <a:shade val="15000"/>
+              </a:schemeClr>
+            </a:lnRef>
+            <a:fillRef idx="1">
+              <a:schemeClr val="accent1"/>
+            </a:fillRef>
+            <a:effectRef idx="0">
+              <a:schemeClr val="accent1"/>
+            </a:effectRef>
+            <a:fontRef idx="minor">
+              <a:schemeClr val="lt1"/>
+            </a:fontRef>
+          </p:style>
+          <p:txBody>
+            <a:bodyPr rtlCol="0" anchor="ctr"/>
+            <a:lstStyle/>
+            <a:p>
+              <a:pPr algn="ctr"/>
+              <a:endParaRPr lang="zh-TW" altLang="en-US"/>
+            </a:p>
+          </p:txBody>
+        </p:sp>
+        <p:sp>
+          <p:nvSpPr>
+            <p:cNvPr id="10" name="矩形 9">
+              <a:extLst>
+                <a:ext uri="{FF2B5EF4-FFF2-40B4-BE49-F238E27FC236}">
+                  <a16:creationId xmlns:a16="http://schemas.microsoft.com/office/drawing/2014/main" id="{421F8CAE-22B6-DCB5-77AB-DBA288003E99}"/>
+                </a:ext>
+              </a:extLst>
+            </p:cNvPr>
+            <p:cNvSpPr/>
+            <p:nvPr/>
+          </p:nvSpPr>
+          <p:spPr>
+            <a:xfrm>
+              <a:off x="847725" y="3836327"/>
+              <a:ext cx="729604" cy="1371993"/>
+            </a:xfrm>
+            <a:prstGeom prst="rect">
+              <a:avLst/>
+            </a:prstGeom>
+            <a:solidFill>
+              <a:schemeClr val="bg1"/>
+            </a:solidFill>
+            <a:ln>
+              <a:noFill/>
+            </a:ln>
+          </p:spPr>
+          <p:style>
+            <a:lnRef idx="2">
+              <a:schemeClr val="accent1">
+                <a:shade val="15000"/>
+              </a:schemeClr>
+            </a:lnRef>
+            <a:fillRef idx="1">
+              <a:schemeClr val="accent1"/>
+            </a:fillRef>
+            <a:effectRef idx="0">
+              <a:schemeClr val="accent1"/>
+            </a:effectRef>
+            <a:fontRef idx="minor">
+              <a:schemeClr val="lt1"/>
+            </a:fontRef>
+          </p:style>
+          <p:txBody>
+            <a:bodyPr rtlCol="0" anchor="ctr"/>
+            <a:lstStyle/>
+            <a:p>
+              <a:pPr algn="ctr"/>
+              <a:endParaRPr lang="zh-TW" altLang="en-US"/>
+            </a:p>
+          </p:txBody>
+        </p:sp>
+        <p:sp>
+          <p:nvSpPr>
+            <p:cNvPr id="11" name="矩形 10">
+              <a:extLst>
+                <a:ext uri="{FF2B5EF4-FFF2-40B4-BE49-F238E27FC236}">
+                  <a16:creationId xmlns:a16="http://schemas.microsoft.com/office/drawing/2014/main" id="{730227FF-3E92-098A-C9AF-8DA3E271324F}"/>
+                </a:ext>
+              </a:extLst>
+            </p:cNvPr>
+            <p:cNvSpPr/>
+            <p:nvPr/>
+          </p:nvSpPr>
+          <p:spPr>
+            <a:xfrm>
+              <a:off x="1609725" y="3508768"/>
+              <a:ext cx="729604" cy="1371993"/>
+            </a:xfrm>
+            <a:prstGeom prst="rect">
+              <a:avLst/>
+            </a:prstGeom>
+            <a:solidFill>
+              <a:schemeClr val="bg1"/>
+            </a:solidFill>
+            <a:ln>
+              <a:noFill/>
+            </a:ln>
+          </p:spPr>
+          <p:style>
+            <a:lnRef idx="2">
+              <a:schemeClr val="accent1">
+                <a:shade val="15000"/>
+              </a:schemeClr>
+            </a:lnRef>
+            <a:fillRef idx="1">
+              <a:schemeClr val="accent1"/>
+            </a:fillRef>
+            <a:effectRef idx="0">
+              <a:schemeClr val="accent1"/>
+            </a:effectRef>
+            <a:fontRef idx="minor">
+              <a:schemeClr val="lt1"/>
+            </a:fontRef>
+          </p:style>
+          <p:txBody>
+            <a:bodyPr rtlCol="0" anchor="ctr"/>
+            <a:lstStyle/>
+            <a:p>
+              <a:pPr algn="ctr"/>
+              <a:endParaRPr lang="zh-TW" altLang="en-US"/>
+            </a:p>
+          </p:txBody>
+        </p:sp>
+        <p:sp>
+          <p:nvSpPr>
+            <p:cNvPr id="12" name="矩形 11">
+              <a:extLst>
+                <a:ext uri="{FF2B5EF4-FFF2-40B4-BE49-F238E27FC236}">
+                  <a16:creationId xmlns:a16="http://schemas.microsoft.com/office/drawing/2014/main" id="{69F1A7A1-9AA5-2456-A9A8-E5C4D50793A5}"/>
+                </a:ext>
+              </a:extLst>
+            </p:cNvPr>
+            <p:cNvSpPr/>
+            <p:nvPr/>
+          </p:nvSpPr>
+          <p:spPr>
+            <a:xfrm>
+              <a:off x="3184202" y="3040659"/>
+              <a:ext cx="729604" cy="1371993"/>
+            </a:xfrm>
+            <a:prstGeom prst="rect">
+              <a:avLst/>
+            </a:prstGeom>
+            <a:solidFill>
+              <a:schemeClr val="bg1"/>
+            </a:solidFill>
+            <a:ln>
+              <a:noFill/>
+            </a:ln>
+          </p:spPr>
+          <p:style>
+            <a:lnRef idx="2">
+              <a:schemeClr val="accent1">
+                <a:shade val="15000"/>
+              </a:schemeClr>
+            </a:lnRef>
+            <a:fillRef idx="1">
+              <a:schemeClr val="accent1"/>
+            </a:fillRef>
+            <a:effectRef idx="0">
+              <a:schemeClr val="accent1"/>
+            </a:effectRef>
+            <a:fontRef idx="minor">
+              <a:schemeClr val="lt1"/>
+            </a:fontRef>
+          </p:style>
+          <p:txBody>
+            <a:bodyPr rtlCol="0" anchor="ctr"/>
+            <a:lstStyle/>
+            <a:p>
+              <a:pPr algn="ctr"/>
+              <a:endParaRPr lang="zh-TW" altLang="en-US"/>
+            </a:p>
+          </p:txBody>
+        </p:sp>
+        <p:sp>
+          <p:nvSpPr>
+            <p:cNvPr id="13" name="矩形 12">
+              <a:extLst>
+                <a:ext uri="{FF2B5EF4-FFF2-40B4-BE49-F238E27FC236}">
+                  <a16:creationId xmlns:a16="http://schemas.microsoft.com/office/drawing/2014/main" id="{042FDA83-23FE-C019-2939-691E7DB2EAD4}"/>
+                </a:ext>
+              </a:extLst>
+            </p:cNvPr>
+            <p:cNvSpPr/>
+            <p:nvPr/>
+          </p:nvSpPr>
+          <p:spPr>
+            <a:xfrm>
+              <a:off x="2510322" y="3227919"/>
+              <a:ext cx="729604" cy="1371993"/>
+            </a:xfrm>
+            <a:prstGeom prst="rect">
+              <a:avLst/>
+            </a:prstGeom>
+            <a:solidFill>
+              <a:schemeClr val="bg1"/>
+            </a:solidFill>
+            <a:ln>
+              <a:noFill/>
+            </a:ln>
+          </p:spPr>
+          <p:style>
+            <a:lnRef idx="2">
+              <a:schemeClr val="accent1">
+                <a:shade val="15000"/>
+              </a:schemeClr>
+            </a:lnRef>
+            <a:fillRef idx="1">
+              <a:schemeClr val="accent1"/>
+            </a:fillRef>
+            <a:effectRef idx="0">
+              <a:schemeClr val="accent1"/>
+            </a:effectRef>
+            <a:fontRef idx="minor">
+              <a:schemeClr val="lt1"/>
+            </a:fontRef>
+          </p:style>
+          <p:txBody>
+            <a:bodyPr rtlCol="0" anchor="ctr"/>
+            <a:lstStyle/>
+            <a:p>
+              <a:pPr algn="ctr"/>
+              <a:endParaRPr lang="zh-TW" altLang="en-US"/>
+            </a:p>
+          </p:txBody>
+        </p:sp>
+      </p:grpSp>
+      <p:pic>
+        <p:nvPicPr>
+          <p:cNvPr id="16" name="圖片 15" descr="一張含有 寫生, 圖畫, 黑與白, 戶外 的圖片&#10;&#10;自動產生的描述">
+            <a:extLst>
+              <a:ext uri="{FF2B5EF4-FFF2-40B4-BE49-F238E27FC236}">
+                <a16:creationId xmlns:a16="http://schemas.microsoft.com/office/drawing/2014/main" id="{E72A8007-DC8B-D8C8-BD0F-A8B5F121D3ED}"/>
+              </a:ext>
+            </a:extLst>
+          </p:cNvPr>
+          <p:cNvPicPr>
+            <a:picLocks noChangeAspect="1"/>
+          </p:cNvPicPr>
+          <p:nvPr/>
+        </p:nvPicPr>
+        <p:blipFill>
+          <a:blip r:embed="rId3" cstate="print">
+            <a:extLst>
+              <a:ext uri="{28A0092B-C50C-407E-A947-70E740481C1C}">
+                <a14:useLocalDpi xmlns:a14="http://schemas.microsoft.com/office/drawing/2010/main" val="0"/>
+              </a:ext>
+            </a:extLst>
+          </a:blip>
+          <a:stretch>
+            <a:fillRect/>
+          </a:stretch>
+        </p:blipFill>
+        <p:spPr>
+          <a:xfrm>
+            <a:off x="4367041" y="3726656"/>
+            <a:ext cx="3699174" cy="2547106"/>
+          </a:xfrm>
+          <a:prstGeom prst="rect">
+            <a:avLst/>
+          </a:prstGeom>
+        </p:spPr>
+      </p:pic>
     </p:spTree>
     <p:extLst>
       <p:ext uri="{BB962C8B-B14F-4D97-AF65-F5344CB8AC3E}">
@@ -7991,7 +8464,7 @@
             </a:r>
             <a:r>
               <a:rPr lang="en-US" altLang="zh-TW" dirty="0"/>
-              <a:t>- </a:t>
+              <a:t>-  </a:t>
             </a:r>
             <a:r>
               <a:rPr lang="zh-TW" altLang="en-US" dirty="0"/>
@@ -8028,11 +8501,11 @@
             </a:r>
             <a:r>
               <a:rPr lang="zh-TW" altLang="en-US" dirty="0"/>
-              <a:t>標記後的圖像，</a:t>
+              <a:t>上色後的圖像，將標記的區域上色</a:t>
             </a:r>
             <a:r>
               <a:rPr lang="zh-TW" altLang="zh-TW" dirty="0"/>
-              <a:t>值為 1 的區域會被標記（用</a:t>
+              <a:t>（用</a:t>
             </a:r>
             <a:r>
               <a:rPr lang="zh-TW" altLang="en-US" dirty="0"/>
@@ -8077,7 +8550,7 @@
             </a:r>
             <a:r>
               <a:rPr lang="zh-TW" altLang="en-US" dirty="0"/>
-              <a:t>：標記後的圖像，遮罩區域已塗上藍色。</a:t>
+              <a:t>：將已標記的地方上色，塗上綠色。</a:t>
             </a:r>
             <a:endParaRPr lang="en-US" altLang="zh-TW" dirty="0"/>
           </a:p>
